--- a/351 - How Firm a Foundation.pptx
+++ b/351 - How Firm a Foundation.pptx
@@ -115,10 +115,6 @@
 </p:presentation>
 </file>
 
-<file path=ppt/revisionInfo.xml><?xml version="1.0" encoding="utf-8"?>
-<p1510:revInfo xmlns:a="http://schemas.openxmlformats.org/drawingml/2006/main" xmlns:r="http://schemas.openxmlformats.org/officeDocument/2006/relationships" xmlns:p1510="http://schemas.microsoft.com/office/powerpoint/2015/10/main"/>
-</file>
-
 <file path=ppt/slideLayouts/slideLayout1.xml><?xml version="1.0" encoding="utf-8"?>
 <p:sldLayout xmlns:a="http://schemas.openxmlformats.org/drawingml/2006/main" xmlns:r="http://schemas.openxmlformats.org/officeDocument/2006/relationships" xmlns:p="http://schemas.openxmlformats.org/presentationml/2006/main" type="title" preserve="1">
   <p:cSld name="Title Slide">
@@ -248,7 +244,7 @@
           <a:p>
             <a:fld id="{32F7251A-AE54-443C-B8FE-5F636E835EBF}" type="datetimeFigureOut">
               <a:rPr lang="en-US" smtClean="0"/>
-              <a:t>10/1/2017</a:t>
+              <a:t>8/30/2020</a:t>
             </a:fld>
             <a:endParaRPr lang="en-US"/>
           </a:p>
@@ -416,7 +412,7 @@
           <a:p>
             <a:fld id="{32F7251A-AE54-443C-B8FE-5F636E835EBF}" type="datetimeFigureOut">
               <a:rPr lang="en-US" smtClean="0"/>
-              <a:t>10/1/2017</a:t>
+              <a:t>8/30/2020</a:t>
             </a:fld>
             <a:endParaRPr lang="en-US"/>
           </a:p>
@@ -594,7 +590,7 @@
           <a:p>
             <a:fld id="{32F7251A-AE54-443C-B8FE-5F636E835EBF}" type="datetimeFigureOut">
               <a:rPr lang="en-US" smtClean="0"/>
-              <a:t>10/1/2017</a:t>
+              <a:t>8/30/2020</a:t>
             </a:fld>
             <a:endParaRPr lang="en-US"/>
           </a:p>
@@ -762,7 +758,7 @@
           <a:p>
             <a:fld id="{32F7251A-AE54-443C-B8FE-5F636E835EBF}" type="datetimeFigureOut">
               <a:rPr lang="en-US" smtClean="0"/>
-              <a:t>10/1/2017</a:t>
+              <a:t>8/30/2020</a:t>
             </a:fld>
             <a:endParaRPr lang="en-US"/>
           </a:p>
@@ -1007,7 +1003,7 @@
           <a:p>
             <a:fld id="{32F7251A-AE54-443C-B8FE-5F636E835EBF}" type="datetimeFigureOut">
               <a:rPr lang="en-US" smtClean="0"/>
-              <a:t>10/1/2017</a:t>
+              <a:t>8/30/2020</a:t>
             </a:fld>
             <a:endParaRPr lang="en-US"/>
           </a:p>
@@ -1236,7 +1232,7 @@
           <a:p>
             <a:fld id="{32F7251A-AE54-443C-B8FE-5F636E835EBF}" type="datetimeFigureOut">
               <a:rPr lang="en-US" smtClean="0"/>
-              <a:t>10/1/2017</a:t>
+              <a:t>8/30/2020</a:t>
             </a:fld>
             <a:endParaRPr lang="en-US"/>
           </a:p>
@@ -1600,7 +1596,7 @@
           <a:p>
             <a:fld id="{32F7251A-AE54-443C-B8FE-5F636E835EBF}" type="datetimeFigureOut">
               <a:rPr lang="en-US" smtClean="0"/>
-              <a:t>10/1/2017</a:t>
+              <a:t>8/30/2020</a:t>
             </a:fld>
             <a:endParaRPr lang="en-US"/>
           </a:p>
@@ -1717,7 +1713,7 @@
           <a:p>
             <a:fld id="{32F7251A-AE54-443C-B8FE-5F636E835EBF}" type="datetimeFigureOut">
               <a:rPr lang="en-US" smtClean="0"/>
-              <a:t>10/1/2017</a:t>
+              <a:t>8/30/2020</a:t>
             </a:fld>
             <a:endParaRPr lang="en-US"/>
           </a:p>
@@ -1812,7 +1808,7 @@
           <a:p>
             <a:fld id="{32F7251A-AE54-443C-B8FE-5F636E835EBF}" type="datetimeFigureOut">
               <a:rPr lang="en-US" smtClean="0"/>
-              <a:t>10/1/2017</a:t>
+              <a:t>8/30/2020</a:t>
             </a:fld>
             <a:endParaRPr lang="en-US"/>
           </a:p>
@@ -2087,7 +2083,7 @@
           <a:p>
             <a:fld id="{32F7251A-AE54-443C-B8FE-5F636E835EBF}" type="datetimeFigureOut">
               <a:rPr lang="en-US" smtClean="0"/>
-              <a:t>10/1/2017</a:t>
+              <a:t>8/30/2020</a:t>
             </a:fld>
             <a:endParaRPr lang="en-US"/>
           </a:p>
@@ -2339,7 +2335,7 @@
           <a:p>
             <a:fld id="{32F7251A-AE54-443C-B8FE-5F636E835EBF}" type="datetimeFigureOut">
               <a:rPr lang="en-US" smtClean="0"/>
-              <a:t>10/1/2017</a:t>
+              <a:t>8/30/2020</a:t>
             </a:fld>
             <a:endParaRPr lang="en-US"/>
           </a:p>
@@ -2406,7 +2402,9 @@
     <p:bg>
       <p:bgPr>
         <a:solidFill>
-          <a:srgbClr val="333333"/>
+          <a:schemeClr val="bg1">
+            <a:lumMod val="10000"/>
+          </a:schemeClr>
         </a:solidFill>
         <a:effectLst/>
       </p:bgPr>
@@ -2553,7 +2551,7 @@
           <a:p>
             <a:fld id="{32F7251A-AE54-443C-B8FE-5F636E835EBF}" type="datetimeFigureOut">
               <a:rPr lang="en-US" smtClean="0"/>
-              <a:t>10/1/2017</a:t>
+              <a:t>8/30/2020</a:t>
             </a:fld>
             <a:endParaRPr lang="en-US"/>
           </a:p>
@@ -3023,8 +3021,8 @@
         </p:nvSpPr>
         <p:spPr>
           <a:xfrm>
-            <a:off x="0" y="5804209"/>
-            <a:ext cx="12192000" cy="830997"/>
+            <a:off x="0" y="5927320"/>
+            <a:ext cx="12192000" cy="584775"/>
           </a:xfrm>
           <a:prstGeom prst="rect">
             <a:avLst/>
@@ -3039,10 +3037,12 @@
           <a:p>
             <a:pPr algn="ctr"/>
             <a:r>
-              <a:rPr lang="en-US" sz="4800" dirty="0">
+              <a:rPr lang="en-US" sz="3200" u="sng" dirty="0">
                 <a:solidFill>
                   <a:schemeClr val="bg1"/>
                 </a:solidFill>
+                <a:latin typeface="Assistant SemiBold" panose="00000700000000000000" pitchFamily="2" charset="-79"/>
+                <a:cs typeface="Assistant SemiBold" panose="00000700000000000000" pitchFamily="2" charset="-79"/>
               </a:rPr>
               <a:t>“How Firm a Foundation”</a:t>
             </a:r>
@@ -3057,8 +3057,8 @@
         </p:nvSpPr>
         <p:spPr>
           <a:xfrm>
-            <a:off x="0" y="913158"/>
-            <a:ext cx="12192000" cy="3970318"/>
+            <a:off x="0" y="1092452"/>
+            <a:ext cx="12192000" cy="3108543"/>
           </a:xfrm>
           <a:prstGeom prst="rect">
             <a:avLst/>
@@ -3073,10 +3073,12 @@
           <a:p>
             <a:pPr algn="ctr"/>
             <a:r>
-              <a:rPr lang="en-US" sz="3600" dirty="0">
+              <a:rPr lang="en-US" sz="2800" spc="50" dirty="0">
                 <a:solidFill>
                   <a:schemeClr val="bg1"/>
                 </a:solidFill>
+                <a:latin typeface="Assistant" panose="00000500000000000000" pitchFamily="2" charset="-79"/>
+                <a:cs typeface="Assistant" panose="00000500000000000000" pitchFamily="2" charset="-79"/>
               </a:rPr>
               <a:t>How firm a foundation,</a:t>
             </a:r>
@@ -3084,10 +3086,12 @@
           <a:p>
             <a:pPr algn="ctr"/>
             <a:r>
-              <a:rPr lang="en-US" sz="3600" dirty="0">
+              <a:rPr lang="en-US" sz="2800" spc="50" dirty="0">
                 <a:solidFill>
                   <a:schemeClr val="bg1"/>
                 </a:solidFill>
+                <a:latin typeface="Assistant" panose="00000500000000000000" pitchFamily="2" charset="-79"/>
+                <a:cs typeface="Assistant" panose="00000500000000000000" pitchFamily="2" charset="-79"/>
               </a:rPr>
               <a:t>ye saints of the Lord,</a:t>
             </a:r>
@@ -3095,10 +3099,12 @@
           <a:p>
             <a:pPr algn="ctr"/>
             <a:r>
-              <a:rPr lang="en-US" sz="3600" dirty="0">
+              <a:rPr lang="en-US" sz="2800" spc="50" dirty="0">
                 <a:solidFill>
                   <a:schemeClr val="bg1"/>
                 </a:solidFill>
+                <a:latin typeface="Assistant" panose="00000500000000000000" pitchFamily="2" charset="-79"/>
+                <a:cs typeface="Assistant" panose="00000500000000000000" pitchFamily="2" charset="-79"/>
               </a:rPr>
               <a:t>Is laid for your faith in His excellent word;</a:t>
             </a:r>
@@ -3106,29 +3112,35 @@
           <a:p>
             <a:pPr algn="ctr"/>
             <a:r>
-              <a:rPr lang="en-US" sz="3600" dirty="0">
+              <a:rPr lang="en-US" sz="2800" spc="50" dirty="0">
                 <a:solidFill>
                   <a:schemeClr val="bg1"/>
                 </a:solidFill>
+                <a:latin typeface="Assistant" panose="00000500000000000000" pitchFamily="2" charset="-79"/>
+                <a:cs typeface="Assistant" panose="00000500000000000000" pitchFamily="2" charset="-79"/>
               </a:rPr>
               <a:t>What more can he say than to you He hath said,</a:t>
             </a:r>
           </a:p>
           <a:p>
             <a:pPr algn="ctr"/>
-            <a:endParaRPr lang="en-US" sz="3600" dirty="0">
+            <a:endParaRPr lang="en-US" sz="2800" spc="50" dirty="0">
               <a:solidFill>
                 <a:schemeClr val="bg1"/>
               </a:solidFill>
+              <a:latin typeface="Assistant" panose="00000500000000000000" pitchFamily="2" charset="-79"/>
+              <a:cs typeface="Assistant" panose="00000500000000000000" pitchFamily="2" charset="-79"/>
             </a:endParaRPr>
           </a:p>
           <a:p>
             <a:pPr algn="ctr"/>
             <a:r>
-              <a:rPr lang="en-US" sz="3600" dirty="0">
+              <a:rPr lang="en-US" sz="2800" spc="50" dirty="0">
                 <a:solidFill>
                   <a:schemeClr val="bg1"/>
                 </a:solidFill>
+                <a:latin typeface="Assistant" panose="00000500000000000000" pitchFamily="2" charset="-79"/>
+                <a:cs typeface="Assistant" panose="00000500000000000000" pitchFamily="2" charset="-79"/>
               </a:rPr>
               <a:t>Who unto the Savior for refuge have fled;</a:t>
             </a:r>
@@ -3136,10 +3148,12 @@
           <a:p>
             <a:pPr algn="ctr"/>
             <a:r>
-              <a:rPr lang="en-US" sz="3600" dirty="0">
+              <a:rPr lang="en-US" sz="2800" spc="50" dirty="0">
                 <a:solidFill>
                   <a:schemeClr val="bg1"/>
                 </a:solidFill>
+                <a:latin typeface="Assistant" panose="00000500000000000000" pitchFamily="2" charset="-79"/>
+                <a:cs typeface="Assistant" panose="00000500000000000000" pitchFamily="2" charset="-79"/>
               </a:rPr>
               <a:t>Who unto the Savior for refuge have fled?</a:t>
             </a:r>
@@ -3241,8 +3255,8 @@
         </p:nvSpPr>
         <p:spPr>
           <a:xfrm>
-            <a:off x="0" y="5804209"/>
-            <a:ext cx="12192000" cy="830997"/>
+            <a:off x="0" y="5927320"/>
+            <a:ext cx="12192000" cy="584775"/>
           </a:xfrm>
           <a:prstGeom prst="rect">
             <a:avLst/>
@@ -3257,10 +3271,12 @@
           <a:p>
             <a:pPr algn="ctr"/>
             <a:r>
-              <a:rPr lang="en-US" sz="4800" dirty="0">
+              <a:rPr lang="en-US" sz="3200" u="sng" dirty="0">
                 <a:solidFill>
                   <a:schemeClr val="bg1"/>
                 </a:solidFill>
+                <a:latin typeface="Assistant SemiBold" panose="00000700000000000000" pitchFamily="2" charset="-79"/>
+                <a:cs typeface="Assistant SemiBold" panose="00000700000000000000" pitchFamily="2" charset="-79"/>
               </a:rPr>
               <a:t>“How Firm a Foundation”</a:t>
             </a:r>
@@ -3275,8 +3291,8 @@
         </p:nvSpPr>
         <p:spPr>
           <a:xfrm>
-            <a:off x="0" y="886654"/>
-            <a:ext cx="12192000" cy="3416320"/>
+            <a:off x="0" y="1186152"/>
+            <a:ext cx="12192000" cy="2677656"/>
           </a:xfrm>
           <a:prstGeom prst="rect">
             <a:avLst/>
@@ -3291,10 +3307,12 @@
           <a:p>
             <a:pPr algn="ctr"/>
             <a:r>
-              <a:rPr lang="en-US" sz="3600" dirty="0">
+              <a:rPr lang="en-US" sz="2800" spc="50" dirty="0">
                 <a:solidFill>
                   <a:schemeClr val="bg1"/>
                 </a:solidFill>
+                <a:latin typeface="Assistant" panose="00000500000000000000" pitchFamily="2" charset="-79"/>
+                <a:cs typeface="Assistant" panose="00000500000000000000" pitchFamily="2" charset="-79"/>
               </a:rPr>
               <a:t>In every condition– in sickness, in health,</a:t>
             </a:r>
@@ -3302,10 +3320,12 @@
           <a:p>
             <a:pPr algn="ctr"/>
             <a:r>
-              <a:rPr lang="en-US" sz="3600" dirty="0">
+              <a:rPr lang="en-US" sz="2800" spc="50" dirty="0">
                 <a:solidFill>
                   <a:schemeClr val="bg1"/>
                 </a:solidFill>
+                <a:latin typeface="Assistant" panose="00000500000000000000" pitchFamily="2" charset="-79"/>
+                <a:cs typeface="Assistant" panose="00000500000000000000" pitchFamily="2" charset="-79"/>
               </a:rPr>
               <a:t>In poverty’s vale or abounding in wealth;</a:t>
             </a:r>
@@ -3313,29 +3333,35 @@
           <a:p>
             <a:pPr algn="ctr"/>
             <a:r>
-              <a:rPr lang="en-US" sz="3600" dirty="0">
+              <a:rPr lang="en-US" sz="2800" spc="50" dirty="0">
                 <a:solidFill>
                   <a:schemeClr val="bg1"/>
                 </a:solidFill>
+                <a:latin typeface="Assistant" panose="00000500000000000000" pitchFamily="2" charset="-79"/>
+                <a:cs typeface="Assistant" panose="00000500000000000000" pitchFamily="2" charset="-79"/>
               </a:rPr>
               <a:t>At home or abroad, on the land or the sea;</a:t>
             </a:r>
           </a:p>
           <a:p>
             <a:pPr algn="ctr"/>
-            <a:endParaRPr lang="en-US" sz="3600" dirty="0">
+            <a:endParaRPr lang="en-US" sz="2800" spc="50" dirty="0">
               <a:solidFill>
                 <a:schemeClr val="bg1"/>
               </a:solidFill>
+              <a:latin typeface="Assistant" panose="00000500000000000000" pitchFamily="2" charset="-79"/>
+              <a:cs typeface="Assistant" panose="00000500000000000000" pitchFamily="2" charset="-79"/>
             </a:endParaRPr>
           </a:p>
           <a:p>
             <a:pPr algn="ctr"/>
             <a:r>
-              <a:rPr lang="en-US" sz="3600" dirty="0">
+              <a:rPr lang="en-US" sz="2800" spc="50" dirty="0">
                 <a:solidFill>
                   <a:schemeClr val="bg1"/>
                 </a:solidFill>
+                <a:latin typeface="Assistant" panose="00000500000000000000" pitchFamily="2" charset="-79"/>
+                <a:cs typeface="Assistant" panose="00000500000000000000" pitchFamily="2" charset="-79"/>
               </a:rPr>
               <a:t>As thy days may demand so thy succor shall be;</a:t>
             </a:r>
@@ -3343,10 +3369,12 @@
           <a:p>
             <a:pPr algn="ctr"/>
             <a:r>
-              <a:rPr lang="en-US" sz="3600" dirty="0">
+              <a:rPr lang="en-US" sz="2800" spc="50" dirty="0">
                 <a:solidFill>
                   <a:schemeClr val="bg1"/>
                 </a:solidFill>
+                <a:latin typeface="Assistant" panose="00000500000000000000" pitchFamily="2" charset="-79"/>
+                <a:cs typeface="Assistant" panose="00000500000000000000" pitchFamily="2" charset="-79"/>
               </a:rPr>
               <a:t>As thy days may demand so thy succor shall be.</a:t>
             </a:r>
@@ -3448,8 +3476,8 @@
         </p:nvSpPr>
         <p:spPr>
           <a:xfrm>
-            <a:off x="0" y="5804209"/>
-            <a:ext cx="12192000" cy="830997"/>
+            <a:off x="0" y="5927320"/>
+            <a:ext cx="12192000" cy="584775"/>
           </a:xfrm>
           <a:prstGeom prst="rect">
             <a:avLst/>
@@ -3464,10 +3492,12 @@
           <a:p>
             <a:pPr algn="ctr"/>
             <a:r>
-              <a:rPr lang="en-US" sz="4800" dirty="0">
+              <a:rPr lang="en-US" sz="3200" u="sng" dirty="0">
                 <a:solidFill>
                   <a:schemeClr val="bg1"/>
                 </a:solidFill>
+                <a:latin typeface="Assistant SemiBold" panose="00000700000000000000" pitchFamily="2" charset="-79"/>
+                <a:cs typeface="Assistant SemiBold" panose="00000700000000000000" pitchFamily="2" charset="-79"/>
               </a:rPr>
               <a:t>“How Firm a Foundation”</a:t>
             </a:r>
@@ -3482,8 +3512,8 @@
         </p:nvSpPr>
         <p:spPr>
           <a:xfrm>
-            <a:off x="0" y="886654"/>
-            <a:ext cx="12192000" cy="3970318"/>
+            <a:off x="0" y="1022944"/>
+            <a:ext cx="12192000" cy="3108543"/>
           </a:xfrm>
           <a:prstGeom prst="rect">
             <a:avLst/>
@@ -3498,10 +3528,12 @@
           <a:p>
             <a:pPr algn="ctr"/>
             <a:r>
-              <a:rPr lang="en-US" sz="3600" dirty="0">
+              <a:rPr lang="en-US" sz="2800" spc="50" dirty="0">
                 <a:solidFill>
                   <a:schemeClr val="bg1"/>
                 </a:solidFill>
+                <a:latin typeface="Assistant" panose="00000500000000000000" pitchFamily="2" charset="-79"/>
+                <a:cs typeface="Assistant" panose="00000500000000000000" pitchFamily="2" charset="-79"/>
               </a:rPr>
               <a:t>Fear not, I am with thee; Oh, be not dismayed,</a:t>
             </a:r>
@@ -3509,10 +3541,12 @@
           <a:p>
             <a:pPr algn="ctr"/>
             <a:r>
-              <a:rPr lang="en-US" sz="3600" dirty="0">
+              <a:rPr lang="en-US" sz="2800" spc="50" dirty="0">
                 <a:solidFill>
                   <a:schemeClr val="bg1"/>
                 </a:solidFill>
+                <a:latin typeface="Assistant" panose="00000500000000000000" pitchFamily="2" charset="-79"/>
+                <a:cs typeface="Assistant" panose="00000500000000000000" pitchFamily="2" charset="-79"/>
               </a:rPr>
               <a:t>For I am thy God, and will still give thee aid;</a:t>
             </a:r>
@@ -3520,10 +3554,12 @@
           <a:p>
             <a:pPr algn="ctr"/>
             <a:r>
-              <a:rPr lang="en-US" sz="3600" dirty="0">
+              <a:rPr lang="en-US" sz="2800" spc="50" dirty="0">
                 <a:solidFill>
                   <a:schemeClr val="bg1"/>
                 </a:solidFill>
+                <a:latin typeface="Assistant" panose="00000500000000000000" pitchFamily="2" charset="-79"/>
+                <a:cs typeface="Assistant" panose="00000500000000000000" pitchFamily="2" charset="-79"/>
               </a:rPr>
               <a:t>I’ll strengthen thee, help thee,</a:t>
             </a:r>
@@ -3531,29 +3567,35 @@
           <a:p>
             <a:pPr algn="ctr"/>
             <a:r>
-              <a:rPr lang="en-US" sz="3600" dirty="0">
+              <a:rPr lang="en-US" sz="2800" spc="50" dirty="0">
                 <a:solidFill>
                   <a:schemeClr val="bg1"/>
                 </a:solidFill>
+                <a:latin typeface="Assistant" panose="00000500000000000000" pitchFamily="2" charset="-79"/>
+                <a:cs typeface="Assistant" panose="00000500000000000000" pitchFamily="2" charset="-79"/>
               </a:rPr>
               <a:t>and cause thee to stand,</a:t>
             </a:r>
           </a:p>
           <a:p>
             <a:pPr algn="ctr"/>
-            <a:endParaRPr lang="en-US" sz="3600" dirty="0">
+            <a:endParaRPr lang="en-US" sz="2800" spc="50" dirty="0">
               <a:solidFill>
                 <a:schemeClr val="bg1"/>
               </a:solidFill>
+              <a:latin typeface="Assistant" panose="00000500000000000000" pitchFamily="2" charset="-79"/>
+              <a:cs typeface="Assistant" panose="00000500000000000000" pitchFamily="2" charset="-79"/>
             </a:endParaRPr>
           </a:p>
           <a:p>
             <a:pPr algn="ctr"/>
             <a:r>
-              <a:rPr lang="en-US" sz="3600" dirty="0">
+              <a:rPr lang="en-US" sz="2800" spc="50" dirty="0">
                 <a:solidFill>
                   <a:schemeClr val="bg1"/>
                 </a:solidFill>
+                <a:latin typeface="Assistant" panose="00000500000000000000" pitchFamily="2" charset="-79"/>
+                <a:cs typeface="Assistant" panose="00000500000000000000" pitchFamily="2" charset="-79"/>
               </a:rPr>
               <a:t>Upheld by my righteous, omnipotent hand;</a:t>
             </a:r>
@@ -3561,10 +3603,12 @@
           <a:p>
             <a:pPr algn="ctr"/>
             <a:r>
-              <a:rPr lang="en-US" sz="3600" dirty="0">
+              <a:rPr lang="en-US" sz="2800" spc="50" dirty="0">
                 <a:solidFill>
                   <a:schemeClr val="bg1"/>
                 </a:solidFill>
+                <a:latin typeface="Assistant" panose="00000500000000000000" pitchFamily="2" charset="-79"/>
+                <a:cs typeface="Assistant" panose="00000500000000000000" pitchFamily="2" charset="-79"/>
               </a:rPr>
               <a:t>Upheld by my righteous, omnipotent hand.</a:t>
             </a:r>
@@ -3666,8 +3710,8 @@
         </p:nvSpPr>
         <p:spPr>
           <a:xfrm>
-            <a:off x="0" y="5804209"/>
-            <a:ext cx="12192000" cy="830997"/>
+            <a:off x="0" y="5927320"/>
+            <a:ext cx="12192000" cy="584775"/>
           </a:xfrm>
           <a:prstGeom prst="rect">
             <a:avLst/>
@@ -3682,10 +3726,12 @@
           <a:p>
             <a:pPr algn="ctr"/>
             <a:r>
-              <a:rPr lang="en-US" sz="4800" dirty="0">
+              <a:rPr lang="en-US" sz="3200" u="sng" dirty="0">
                 <a:solidFill>
                   <a:schemeClr val="bg1"/>
                 </a:solidFill>
+                <a:latin typeface="Assistant SemiBold" panose="00000700000000000000" pitchFamily="2" charset="-79"/>
+                <a:cs typeface="Assistant SemiBold" panose="00000700000000000000" pitchFamily="2" charset="-79"/>
               </a:rPr>
               <a:t>“How Firm a Foundation”</a:t>
             </a:r>
@@ -3700,8 +3746,8 @@
         </p:nvSpPr>
         <p:spPr>
           <a:xfrm>
-            <a:off x="0" y="886654"/>
-            <a:ext cx="12192000" cy="3970318"/>
+            <a:off x="0" y="1022944"/>
+            <a:ext cx="12192000" cy="3108543"/>
           </a:xfrm>
           <a:prstGeom prst="rect">
             <a:avLst/>
@@ -3716,10 +3762,12 @@
           <a:p>
             <a:pPr algn="ctr"/>
             <a:r>
-              <a:rPr lang="en-US" sz="3600" dirty="0">
+              <a:rPr lang="en-US" sz="2800" spc="50" dirty="0">
                 <a:solidFill>
                   <a:schemeClr val="bg1"/>
                 </a:solidFill>
+                <a:latin typeface="Assistant" panose="00000500000000000000" pitchFamily="2" charset="-79"/>
+                <a:cs typeface="Assistant" panose="00000500000000000000" pitchFamily="2" charset="-79"/>
               </a:rPr>
               <a:t>The soul that on Jesus still leans for repose</a:t>
             </a:r>
@@ -3727,10 +3775,12 @@
           <a:p>
             <a:pPr algn="ctr"/>
             <a:r>
-              <a:rPr lang="en-US" sz="3600" dirty="0">
+              <a:rPr lang="en-US" sz="2800" spc="50" dirty="0">
                 <a:solidFill>
                   <a:schemeClr val="bg1"/>
                 </a:solidFill>
+                <a:latin typeface="Assistant" panose="00000500000000000000" pitchFamily="2" charset="-79"/>
+                <a:cs typeface="Assistant" panose="00000500000000000000" pitchFamily="2" charset="-79"/>
               </a:rPr>
               <a:t>I will not, I cannot desert to His foes;</a:t>
             </a:r>
@@ -3738,10 +3788,12 @@
           <a:p>
             <a:pPr algn="ctr"/>
             <a:r>
-              <a:rPr lang="en-US" sz="3600" dirty="0">
+              <a:rPr lang="en-US" sz="2800" spc="50" dirty="0">
                 <a:solidFill>
                   <a:schemeClr val="bg1"/>
                 </a:solidFill>
+                <a:latin typeface="Assistant" panose="00000500000000000000" pitchFamily="2" charset="-79"/>
+                <a:cs typeface="Assistant" panose="00000500000000000000" pitchFamily="2" charset="-79"/>
               </a:rPr>
               <a:t>That soul, though all hell should </a:t>
             </a:r>
@@ -3749,29 +3801,35 @@
           <a:p>
             <a:pPr algn="ctr"/>
             <a:r>
-              <a:rPr lang="en-US" sz="3600" dirty="0">
+              <a:rPr lang="en-US" sz="2800" spc="50" dirty="0">
                 <a:solidFill>
                   <a:schemeClr val="bg1"/>
                 </a:solidFill>
+                <a:latin typeface="Assistant" panose="00000500000000000000" pitchFamily="2" charset="-79"/>
+                <a:cs typeface="Assistant" panose="00000500000000000000" pitchFamily="2" charset="-79"/>
               </a:rPr>
               <a:t>endeavor to shake,</a:t>
             </a:r>
           </a:p>
           <a:p>
             <a:pPr algn="ctr"/>
-            <a:endParaRPr lang="en-US" sz="3600" dirty="0">
+            <a:endParaRPr lang="en-US" sz="2800" spc="50" dirty="0">
               <a:solidFill>
                 <a:schemeClr val="bg1"/>
               </a:solidFill>
+              <a:latin typeface="Assistant" panose="00000500000000000000" pitchFamily="2" charset="-79"/>
+              <a:cs typeface="Assistant" panose="00000500000000000000" pitchFamily="2" charset="-79"/>
             </a:endParaRPr>
           </a:p>
           <a:p>
             <a:pPr algn="ctr"/>
             <a:r>
-              <a:rPr lang="en-US" sz="3600" dirty="0">
+              <a:rPr lang="en-US" sz="2800" spc="50" dirty="0">
                 <a:solidFill>
                   <a:schemeClr val="bg1"/>
                 </a:solidFill>
+                <a:latin typeface="Assistant" panose="00000500000000000000" pitchFamily="2" charset="-79"/>
+                <a:cs typeface="Assistant" panose="00000500000000000000" pitchFamily="2" charset="-79"/>
               </a:rPr>
               <a:t>I’ll never, no never, no never forsake;</a:t>
             </a:r>
@@ -3779,10 +3837,12 @@
           <a:p>
             <a:pPr algn="ctr"/>
             <a:r>
-              <a:rPr lang="en-US" sz="3600" dirty="0">
+              <a:rPr lang="en-US" sz="2800" spc="50" dirty="0">
                 <a:solidFill>
                   <a:schemeClr val="bg1"/>
                 </a:solidFill>
+                <a:latin typeface="Assistant" panose="00000500000000000000" pitchFamily="2" charset="-79"/>
+                <a:cs typeface="Assistant" panose="00000500000000000000" pitchFamily="2" charset="-79"/>
               </a:rPr>
               <a:t>I’ll never, no never, no never forsake!</a:t>
             </a:r>
